--- a/Final 5100 ppt.pptx
+++ b/Final 5100 ppt.pptx
@@ -15110,8 +15110,8 @@
         </p:blipFill>
         <p:spPr>
           <a:xfrm>
-            <a:off x="6871335" y="2384425"/>
-            <a:ext cx="2242820" cy="1812925"/>
+            <a:off x="6797675" y="2386965"/>
+            <a:ext cx="1736090" cy="1403350"/>
           </a:xfrm>
           <a:prstGeom prst="rect">
             <a:avLst/>
@@ -15134,8 +15134,8 @@
         </p:blipFill>
         <p:spPr>
           <a:xfrm>
-            <a:off x="9832340" y="2326640"/>
-            <a:ext cx="2345690" cy="1870075"/>
+            <a:off x="8684895" y="2386965"/>
+            <a:ext cx="1765300" cy="1407795"/>
           </a:xfrm>
           <a:prstGeom prst="rect">
             <a:avLst/>
@@ -15158,8 +15158,56 @@
         </p:blipFill>
         <p:spPr>
           <a:xfrm>
-            <a:off x="6871335" y="4606925"/>
-            <a:ext cx="2254885" cy="1702435"/>
+            <a:off x="10601325" y="2386965"/>
+            <a:ext cx="1859280" cy="1403985"/>
+          </a:xfrm>
+          <a:prstGeom prst="rect">
+            <a:avLst/>
+          </a:prstGeom>
+        </p:spPr>
+      </p:pic>
+      <p:pic>
+        <p:nvPicPr>
+          <p:cNvPr id="9" name="图片 8" descr="12431619167797_.pic_hd"/>
+          <p:cNvPicPr>
+            <a:picLocks noChangeAspect="1"/>
+          </p:cNvPicPr>
+          <p:nvPr/>
+        </p:nvPicPr>
+        <p:blipFill>
+          <a:blip r:embed="rId5"/>
+          <a:stretch>
+            <a:fillRect/>
+          </a:stretch>
+        </p:blipFill>
+        <p:spPr>
+          <a:xfrm>
+            <a:off x="6687820" y="4177665"/>
+            <a:ext cx="3068955" cy="2297430"/>
+          </a:xfrm>
+          <a:prstGeom prst="rect">
+            <a:avLst/>
+          </a:prstGeom>
+        </p:spPr>
+      </p:pic>
+      <p:pic>
+        <p:nvPicPr>
+          <p:cNvPr id="10" name="图片 9" descr="12441619167826_.pic_hd"/>
+          <p:cNvPicPr>
+            <a:picLocks noChangeAspect="1"/>
+          </p:cNvPicPr>
+          <p:nvPr/>
+        </p:nvPicPr>
+        <p:blipFill>
+          <a:blip r:embed="rId6"/>
+          <a:stretch>
+            <a:fillRect/>
+          </a:stretch>
+        </p:blipFill>
+        <p:spPr>
+          <a:xfrm>
+            <a:off x="9756775" y="4130675"/>
+            <a:ext cx="3187700" cy="2391410"/>
           </a:xfrm>
           <a:prstGeom prst="rect">
             <a:avLst/>
@@ -15311,6 +15359,177 @@
                                         </p:tgtEl>
                                       </p:cBhvr>
                                     </p:animEffect>
+                                  </p:childTnLst>
+                                </p:cTn>
+                              </p:par>
+                            </p:childTnLst>
+                          </p:cTn>
+                        </p:par>
+                      </p:childTnLst>
+                    </p:cTn>
+                  </p:par>
+                  <p:par>
+                    <p:cTn id="16" fill="hold">
+                      <p:stCondLst>
+                        <p:cond delay="indefinite"/>
+                      </p:stCondLst>
+                      <p:childTnLst>
+                        <p:par>
+                          <p:cTn id="17" fill="hold">
+                            <p:stCondLst>
+                              <p:cond delay="0"/>
+                            </p:stCondLst>
+                            <p:childTnLst>
+                              <p:par>
+                                <p:cTn id="18" presetID="1" presetClass="entr" presetSubtype="0" fill="hold" nodeType="clickEffect">
+                                  <p:stCondLst>
+                                    <p:cond delay="0"/>
+                                  </p:stCondLst>
+                                  <p:childTnLst>
+                                    <p:set>
+                                      <p:cBhvr>
+                                        <p:cTn id="19" dur="1" fill="hold">
+                                          <p:stCondLst>
+                                            <p:cond delay="0"/>
+                                          </p:stCondLst>
+                                        </p:cTn>
+                                        <p:tgtEl>
+                                          <p:spTgt spid="2"/>
+                                        </p:tgtEl>
+                                        <p:attrNameLst>
+                                          <p:attrName>style.visibility</p:attrName>
+                                        </p:attrNameLst>
+                                      </p:cBhvr>
+                                      <p:to>
+                                        <p:strVal val="visible"/>
+                                      </p:to>
+                                    </p:set>
+                                  </p:childTnLst>
+                                </p:cTn>
+                              </p:par>
+                              <p:par>
+                                <p:cTn id="20" presetID="1" presetClass="entr" presetSubtype="0" fill="hold" nodeType="withEffect">
+                                  <p:stCondLst>
+                                    <p:cond delay="0"/>
+                                  </p:stCondLst>
+                                  <p:childTnLst>
+                                    <p:set>
+                                      <p:cBhvr>
+                                        <p:cTn id="21" dur="1" fill="hold">
+                                          <p:stCondLst>
+                                            <p:cond delay="0"/>
+                                          </p:stCondLst>
+                                        </p:cTn>
+                                        <p:tgtEl>
+                                          <p:spTgt spid="7"/>
+                                        </p:tgtEl>
+                                        <p:attrNameLst>
+                                          <p:attrName>style.visibility</p:attrName>
+                                        </p:attrNameLst>
+                                      </p:cBhvr>
+                                      <p:to>
+                                        <p:strVal val="visible"/>
+                                      </p:to>
+                                    </p:set>
+                                  </p:childTnLst>
+                                </p:cTn>
+                              </p:par>
+                              <p:par>
+                                <p:cTn id="22" presetID="1" presetClass="entr" presetSubtype="0" fill="hold" nodeType="withEffect">
+                                  <p:stCondLst>
+                                    <p:cond delay="0"/>
+                                  </p:stCondLst>
+                                  <p:childTnLst>
+                                    <p:set>
+                                      <p:cBhvr>
+                                        <p:cTn id="23" dur="1" fill="hold">
+                                          <p:stCondLst>
+                                            <p:cond delay="0"/>
+                                          </p:stCondLst>
+                                        </p:cTn>
+                                        <p:tgtEl>
+                                          <p:spTgt spid="8"/>
+                                        </p:tgtEl>
+                                        <p:attrNameLst>
+                                          <p:attrName>style.visibility</p:attrName>
+                                        </p:attrNameLst>
+                                      </p:cBhvr>
+                                      <p:to>
+                                        <p:strVal val="visible"/>
+                                      </p:to>
+                                    </p:set>
+                                  </p:childTnLst>
+                                </p:cTn>
+                              </p:par>
+                            </p:childTnLst>
+                          </p:cTn>
+                        </p:par>
+                      </p:childTnLst>
+                    </p:cTn>
+                  </p:par>
+                  <p:par>
+                    <p:cTn id="24" fill="hold">
+                      <p:stCondLst>
+                        <p:cond delay="indefinite"/>
+                      </p:stCondLst>
+                      <p:childTnLst>
+                        <p:par>
+                          <p:cTn id="25" fill="hold">
+                            <p:stCondLst>
+                              <p:cond delay="0"/>
+                            </p:stCondLst>
+                            <p:childTnLst>
+                              <p:par>
+                                <p:cTn id="26" presetID="1" presetClass="entr" presetSubtype="0" fill="hold" nodeType="clickEffect">
+                                  <p:stCondLst>
+                                    <p:cond delay="0"/>
+                                  </p:stCondLst>
+                                  <p:childTnLst>
+                                    <p:set>
+                                      <p:cBhvr>
+                                        <p:cTn id="27" dur="1" fill="hold">
+                                          <p:stCondLst>
+                                            <p:cond delay="0"/>
+                                          </p:stCondLst>
+                                        </p:cTn>
+                                        <p:tgtEl>
+                                          <p:spTgt spid="9"/>
+                                        </p:tgtEl>
+                                        <p:attrNameLst>
+                                          <p:attrName>style.visibility</p:attrName>
+                                        </p:attrNameLst>
+                                      </p:cBhvr>
+                                      <p:to>
+                                        <p:strVal val="visible"/>
+                                      </p:to>
+                                    </p:set>
+                                  </p:childTnLst>
+                                </p:cTn>
+                              </p:par>
+                              <p:par>
+                                <p:cTn id="28" presetID="1" presetClass="entr" presetSubtype="0" fill="hold" nodeType="withEffect">
+                                  <p:stCondLst>
+                                    <p:cond delay="0"/>
+                                  </p:stCondLst>
+                                  <p:childTnLst>
+                                    <p:set>
+                                      <p:cBhvr>
+                                        <p:cTn id="29" dur="1" fill="hold">
+                                          <p:stCondLst>
+                                            <p:cond delay="0"/>
+                                          </p:stCondLst>
+                                        </p:cTn>
+                                        <p:tgtEl>
+                                          <p:spTgt spid="10"/>
+                                        </p:tgtEl>
+                                        <p:attrNameLst>
+                                          <p:attrName>style.visibility</p:attrName>
+                                        </p:attrNameLst>
+                                      </p:cBhvr>
+                                      <p:to>
+                                        <p:strVal val="visible"/>
+                                      </p:to>
+                                    </p:set>
                                   </p:childTnLst>
                                 </p:cTn>
                               </p:par>
